--- a/content/docs/theory-analysis/kafka-idempotence/images/images.pptx
+++ b/content/docs/theory-analysis/kafka-idempotence/images/images.pptx
@@ -17365,7 +17365,7 @@
         </p:nvSpPr>
         <p:spPr>
           <a:xfrm>
-            <a:off x="4463988" y="1153937"/>
+            <a:off x="4440595" y="1153937"/>
             <a:ext cx="216024" cy="235580"/>
           </a:xfrm>
           <a:prstGeom prst="downArrow">
@@ -17417,7 +17417,7 @@
         </p:nvSpPr>
         <p:spPr>
           <a:xfrm>
-            <a:off x="4463988" y="2435319"/>
+            <a:off x="4440595" y="2435319"/>
             <a:ext cx="216024" cy="235580"/>
           </a:xfrm>
           <a:prstGeom prst="downArrow">
@@ -17469,7 +17469,7 @@
         </p:nvSpPr>
         <p:spPr>
           <a:xfrm>
-            <a:off x="4463988" y="3719067"/>
+            <a:off x="4440595" y="3719067"/>
             <a:ext cx="216024" cy="235580"/>
           </a:xfrm>
           <a:prstGeom prst="downArrow">
@@ -19463,7 +19463,7 @@
         </p:nvSpPr>
         <p:spPr>
           <a:xfrm>
-            <a:off x="4463988" y="1153937"/>
+            <a:off x="4437675" y="1153937"/>
             <a:ext cx="216024" cy="235580"/>
           </a:xfrm>
           <a:prstGeom prst="downArrow">
@@ -19515,7 +19515,7 @@
         </p:nvSpPr>
         <p:spPr>
           <a:xfrm>
-            <a:off x="4463988" y="2435319"/>
+            <a:off x="4437675" y="2435319"/>
             <a:ext cx="216024" cy="235580"/>
           </a:xfrm>
           <a:prstGeom prst="downArrow">
@@ -19567,7 +19567,7 @@
         </p:nvSpPr>
         <p:spPr>
           <a:xfrm>
-            <a:off x="4463988" y="3719067"/>
+            <a:off x="4437675" y="3719067"/>
             <a:ext cx="216024" cy="235580"/>
           </a:xfrm>
           <a:prstGeom prst="downArrow">

--- a/content/docs/theory-analysis/kafka-idempotence/images/images.pptx
+++ b/content/docs/theory-analysis/kafka-idempotence/images/images.pptx
@@ -224,7 +224,7 @@
           <a:p>
             <a:fld id="{6CD5550B-26C4-49A9-A5BA-636EF7BE6CE9}" type="datetimeFigureOut">
               <a:rPr lang="ko-KR" altLang="en-US" smtClean="0"/>
-              <a:t>2025. 11. 30.</a:t>
+              <a:t>2025. 12. 1.</a:t>
             </a:fld>
             <a:endParaRPr lang="ko-KR" altLang="en-US"/>
           </a:p>
@@ -1858,7 +1858,7 @@
           <a:p>
             <a:fld id="{FB30EDBD-1C2D-4C1E-B459-B60219FAB484}" type="datetimeFigureOut">
               <a:rPr lang="ko-KR" altLang="en-US" smtClean="0"/>
-              <a:t>2025. 11. 30.</a:t>
+              <a:t>2025. 12. 1.</a:t>
             </a:fld>
             <a:endParaRPr lang="ko-KR" altLang="en-US"/>
           </a:p>
@@ -2021,7 +2021,7 @@
           <a:p>
             <a:fld id="{FB30EDBD-1C2D-4C1E-B459-B60219FAB484}" type="datetimeFigureOut">
               <a:rPr lang="ko-KR" altLang="en-US" smtClean="0"/>
-              <a:t>2025. 11. 30.</a:t>
+              <a:t>2025. 12. 1.</a:t>
             </a:fld>
             <a:endParaRPr lang="ko-KR" altLang="en-US"/>
           </a:p>
@@ -2194,7 +2194,7 @@
           <a:p>
             <a:fld id="{FB30EDBD-1C2D-4C1E-B459-B60219FAB484}" type="datetimeFigureOut">
               <a:rPr lang="ko-KR" altLang="en-US" smtClean="0"/>
-              <a:t>2025. 11. 30.</a:t>
+              <a:t>2025. 12. 1.</a:t>
             </a:fld>
             <a:endParaRPr lang="ko-KR" altLang="en-US"/>
           </a:p>
@@ -2357,7 +2357,7 @@
           <a:p>
             <a:fld id="{FB30EDBD-1C2D-4C1E-B459-B60219FAB484}" type="datetimeFigureOut">
               <a:rPr lang="ko-KR" altLang="en-US" smtClean="0"/>
-              <a:t>2025. 11. 30.</a:t>
+              <a:t>2025. 12. 1.</a:t>
             </a:fld>
             <a:endParaRPr lang="ko-KR" altLang="en-US"/>
           </a:p>
@@ -2597,7 +2597,7 @@
           <a:p>
             <a:fld id="{FB30EDBD-1C2D-4C1E-B459-B60219FAB484}" type="datetimeFigureOut">
               <a:rPr lang="ko-KR" altLang="en-US" smtClean="0"/>
-              <a:t>2025. 11. 30.</a:t>
+              <a:t>2025. 12. 1.</a:t>
             </a:fld>
             <a:endParaRPr lang="ko-KR" altLang="en-US"/>
           </a:p>
@@ -2877,7 +2877,7 @@
           <a:p>
             <a:fld id="{FB30EDBD-1C2D-4C1E-B459-B60219FAB484}" type="datetimeFigureOut">
               <a:rPr lang="ko-KR" altLang="en-US" smtClean="0"/>
-              <a:t>2025. 11. 30.</a:t>
+              <a:t>2025. 12. 1.</a:t>
             </a:fld>
             <a:endParaRPr lang="ko-KR" altLang="en-US"/>
           </a:p>
@@ -3291,7 +3291,7 @@
           <a:p>
             <a:fld id="{FB30EDBD-1C2D-4C1E-B459-B60219FAB484}" type="datetimeFigureOut">
               <a:rPr lang="ko-KR" altLang="en-US" smtClean="0"/>
-              <a:t>2025. 11. 30.</a:t>
+              <a:t>2025. 12. 1.</a:t>
             </a:fld>
             <a:endParaRPr lang="ko-KR" altLang="en-US"/>
           </a:p>
@@ -3403,7 +3403,7 @@
           <a:p>
             <a:fld id="{FB30EDBD-1C2D-4C1E-B459-B60219FAB484}" type="datetimeFigureOut">
               <a:rPr lang="ko-KR" altLang="en-US" smtClean="0"/>
-              <a:t>2025. 11. 30.</a:t>
+              <a:t>2025. 12. 1.</a:t>
             </a:fld>
             <a:endParaRPr lang="ko-KR" altLang="en-US"/>
           </a:p>
@@ -3493,7 +3493,7 @@
           <a:p>
             <a:fld id="{FB30EDBD-1C2D-4C1E-B459-B60219FAB484}" type="datetimeFigureOut">
               <a:rPr lang="ko-KR" altLang="en-US" smtClean="0"/>
-              <a:t>2025. 11. 30.</a:t>
+              <a:t>2025. 12. 1.</a:t>
             </a:fld>
             <a:endParaRPr lang="ko-KR" altLang="en-US"/>
           </a:p>
@@ -3763,7 +3763,7 @@
           <a:p>
             <a:fld id="{FB30EDBD-1C2D-4C1E-B459-B60219FAB484}" type="datetimeFigureOut">
               <a:rPr lang="ko-KR" altLang="en-US" smtClean="0"/>
-              <a:t>2025. 11. 30.</a:t>
+              <a:t>2025. 12. 1.</a:t>
             </a:fld>
             <a:endParaRPr lang="ko-KR" altLang="en-US"/>
           </a:p>
@@ -4010,7 +4010,7 @@
           <a:p>
             <a:fld id="{FB30EDBD-1C2D-4C1E-B459-B60219FAB484}" type="datetimeFigureOut">
               <a:rPr lang="ko-KR" altLang="en-US" smtClean="0"/>
-              <a:t>2025. 11. 30.</a:t>
+              <a:t>2025. 12. 1.</a:t>
             </a:fld>
             <a:endParaRPr lang="ko-KR" altLang="en-US"/>
           </a:p>
@@ -4216,7 +4216,7 @@
           <a:p>
             <a:fld id="{FB30EDBD-1C2D-4C1E-B459-B60219FAB484}" type="datetimeFigureOut">
               <a:rPr lang="ko-KR" altLang="en-US" smtClean="0"/>
-              <a:t>2025. 11. 30.</a:t>
+              <a:t>2025. 12. 1.</a:t>
             </a:fld>
             <a:endParaRPr lang="ko-KR" altLang="en-US"/>
           </a:p>
@@ -17958,6 +17958,47 @@
           </a:p>
         </p:txBody>
       </p:sp>
+      <p:sp>
+        <p:nvSpPr>
+          <p:cNvPr id="4" name="TextBox 3">
+            <a:extLst>
+              <a:ext uri="{FF2B5EF4-FFF2-40B4-BE49-F238E27FC236}">
+                <a16:creationId xmlns:a16="http://schemas.microsoft.com/office/drawing/2014/main" id="{BDA8453E-0BF7-F1F9-1717-79C2EF6E57D8}"/>
+              </a:ext>
+            </a:extLst>
+          </p:cNvPr>
+          <p:cNvSpPr txBox="1"/>
+          <p:nvPr/>
+        </p:nvSpPr>
+        <p:spPr>
+          <a:xfrm>
+            <a:off x="5580111" y="4039630"/>
+            <a:ext cx="1368153" cy="369332"/>
+          </a:xfrm>
+          <a:prstGeom prst="rect">
+            <a:avLst/>
+          </a:prstGeom>
+          <a:noFill/>
+        </p:spPr>
+        <p:txBody>
+          <a:bodyPr wrap="square" rtlCol="0">
+            <a:spAutoFit/>
+          </a:bodyPr>
+          <a:lstStyle/>
+          <a:p>
+            <a:r>
+              <a:rPr lang="en-KR" sz="900" b="1"/>
+              <a:t>142~133, 150~143</a:t>
+            </a:r>
+          </a:p>
+          <a:p>
+            <a:r>
+              <a:rPr lang="en-KR" sz="900" b="1"/>
+              <a:t>Not Processed Again</a:t>
+            </a:r>
+          </a:p>
+        </p:txBody>
+      </p:sp>
     </p:spTree>
     <p:extLst>
       <p:ext uri="{BB962C8B-B14F-4D97-AF65-F5344CB8AC3E}">
@@ -20203,7 +20244,7 @@
         <p:spPr>
           <a:xfrm>
             <a:off x="5854695" y="4039630"/>
-            <a:ext cx="1093569" cy="369332"/>
+            <a:ext cx="1135247" cy="369332"/>
           </a:xfrm>
           <a:prstGeom prst="rect">
             <a:avLst/>
@@ -20217,21 +20258,13 @@
           <a:lstStyle/>
           <a:p>
             <a:r>
-              <a:rPr lang="en-KR" sz="900" b="1">
-                <a:solidFill>
-                  <a:srgbClr val="C00000"/>
-                </a:solidFill>
-              </a:rPr>
-              <a:t>120~144 </a:t>
-            </a:r>
-          </a:p>
-          <a:p>
-            <a:r>
-              <a:rPr lang="en-KR" sz="900" b="1">
-                <a:solidFill>
-                  <a:srgbClr val="C00000"/>
-                </a:solidFill>
-              </a:rPr>
+              <a:rPr lang="en-KR" sz="900" b="1"/>
+              <a:t>120~144</a:t>
+            </a:r>
+          </a:p>
+          <a:p>
+            <a:r>
+              <a:rPr lang="en-KR" sz="900" b="1"/>
               <a:t>Processed Again</a:t>
             </a:r>
           </a:p>
